--- a/63主是力量.pptx
+++ b/63主是力量.pptx
@@ -9,8 +9,9 @@
     <p:sldId id="257" r:id="rId3"/>
     <p:sldId id="258" r:id="rId4"/>
     <p:sldId id="259" r:id="rId5"/>
-    <p:sldId id="260" r:id="rId6"/>
-    <p:sldId id="261" r:id="rId7"/>
+    <p:sldId id="262" r:id="rId6"/>
+    <p:sldId id="260" r:id="rId7"/>
+    <p:sldId id="261" r:id="rId8"/>
   </p:sldIdLst>
   <p:sldSz cx="9144000" cy="5143500" type="screen16x9"/>
   <p:notesSz cx="6858000" cy="9144000"/>
@@ -109,6 +110,22 @@
       </a:defRPr>
     </a:lvl9pPr>
   </p:defaultTextStyle>
+  <p:extLst>
+    <p:ext uri="{EFAFB233-063F-42B5-8137-9DF3F51BA10A}">
+      <p15:sldGuideLst xmlns:p15="http://schemas.microsoft.com/office/powerpoint/2012/main">
+        <p15:guide id="1" orient="horz" pos="1620">
+          <p15:clr>
+            <a:srgbClr val="A4A3A4"/>
+          </p15:clr>
+        </p15:guide>
+        <p15:guide id="2" pos="2880">
+          <p15:clr>
+            <a:srgbClr val="A4A3A4"/>
+          </p15:clr>
+        </p15:guide>
+      </p15:sldGuideLst>
+    </p:ext>
+  </p:extLst>
 </p:presentation>
 </file>
 
@@ -294,7 +311,7 @@
             <a:fld id="{86B5546F-C09B-4E63-ABC5-F7C86A7E8D66}" type="datetimeFigureOut">
               <a:rPr lang="en-US" smtClean="0"/>
               <a:pPr/>
-              <a:t>7/20/2019</a:t>
+              <a:t>3/20/2020</a:t>
             </a:fld>
             <a:endParaRPr lang="en-US"/>
           </a:p>
@@ -461,7 +478,7 @@
             <a:fld id="{86B5546F-C09B-4E63-ABC5-F7C86A7E8D66}" type="datetimeFigureOut">
               <a:rPr lang="en-US" smtClean="0"/>
               <a:pPr/>
-              <a:t>7/20/2019</a:t>
+              <a:t>3/20/2020</a:t>
             </a:fld>
             <a:endParaRPr lang="en-US"/>
           </a:p>
@@ -638,7 +655,7 @@
             <a:fld id="{86B5546F-C09B-4E63-ABC5-F7C86A7E8D66}" type="datetimeFigureOut">
               <a:rPr lang="en-US" smtClean="0"/>
               <a:pPr/>
-              <a:t>7/20/2019</a:t>
+              <a:t>3/20/2020</a:t>
             </a:fld>
             <a:endParaRPr lang="en-US"/>
           </a:p>
@@ -805,7 +822,7 @@
             <a:fld id="{86B5546F-C09B-4E63-ABC5-F7C86A7E8D66}" type="datetimeFigureOut">
               <a:rPr lang="en-US" smtClean="0"/>
               <a:pPr/>
-              <a:t>7/20/2019</a:t>
+              <a:t>3/20/2020</a:t>
             </a:fld>
             <a:endParaRPr lang="en-US"/>
           </a:p>
@@ -1048,7 +1065,7 @@
             <a:fld id="{86B5546F-C09B-4E63-ABC5-F7C86A7E8D66}" type="datetimeFigureOut">
               <a:rPr lang="en-US" smtClean="0"/>
               <a:pPr/>
-              <a:t>7/20/2019</a:t>
+              <a:t>3/20/2020</a:t>
             </a:fld>
             <a:endParaRPr lang="en-US"/>
           </a:p>
@@ -1333,7 +1350,7 @@
             <a:fld id="{86B5546F-C09B-4E63-ABC5-F7C86A7E8D66}" type="datetimeFigureOut">
               <a:rPr lang="en-US" smtClean="0"/>
               <a:pPr/>
-              <a:t>7/20/2019</a:t>
+              <a:t>3/20/2020</a:t>
             </a:fld>
             <a:endParaRPr lang="en-US"/>
           </a:p>
@@ -1752,7 +1769,7 @@
             <a:fld id="{86B5546F-C09B-4E63-ABC5-F7C86A7E8D66}" type="datetimeFigureOut">
               <a:rPr lang="en-US" smtClean="0"/>
               <a:pPr/>
-              <a:t>7/20/2019</a:t>
+              <a:t>3/20/2020</a:t>
             </a:fld>
             <a:endParaRPr lang="en-US"/>
           </a:p>
@@ -1867,7 +1884,7 @@
             <a:fld id="{86B5546F-C09B-4E63-ABC5-F7C86A7E8D66}" type="datetimeFigureOut">
               <a:rPr lang="en-US" smtClean="0"/>
               <a:pPr/>
-              <a:t>7/20/2019</a:t>
+              <a:t>3/20/2020</a:t>
             </a:fld>
             <a:endParaRPr lang="en-US"/>
           </a:p>
@@ -1959,7 +1976,7 @@
             <a:fld id="{86B5546F-C09B-4E63-ABC5-F7C86A7E8D66}" type="datetimeFigureOut">
               <a:rPr lang="en-US" smtClean="0"/>
               <a:pPr/>
-              <a:t>7/20/2019</a:t>
+              <a:t>3/20/2020</a:t>
             </a:fld>
             <a:endParaRPr lang="en-US"/>
           </a:p>
@@ -2233,7 +2250,7 @@
             <a:fld id="{86B5546F-C09B-4E63-ABC5-F7C86A7E8D66}" type="datetimeFigureOut">
               <a:rPr lang="en-US" smtClean="0"/>
               <a:pPr/>
-              <a:t>7/20/2019</a:t>
+              <a:t>3/20/2020</a:t>
             </a:fld>
             <a:endParaRPr lang="en-US"/>
           </a:p>
@@ -2487,7 +2504,7 @@
             <a:fld id="{86B5546F-C09B-4E63-ABC5-F7C86A7E8D66}" type="datetimeFigureOut">
               <a:rPr lang="en-US" smtClean="0"/>
               <a:pPr/>
-              <a:t>7/20/2019</a:t>
+              <a:t>3/20/2020</a:t>
             </a:fld>
             <a:endParaRPr lang="en-US"/>
           </a:p>
@@ -2702,7 +2719,7 @@
             <a:fld id="{86B5546F-C09B-4E63-ABC5-F7C86A7E8D66}" type="datetimeFigureOut">
               <a:rPr lang="en-US" smtClean="0"/>
               <a:pPr/>
-              <a:t>7/20/2019</a:t>
+              <a:t>3/20/2020</a:t>
             </a:fld>
             <a:endParaRPr lang="en-US"/>
           </a:p>
@@ -3086,20 +3103,40 @@
         <p:spPr/>
         <p:txBody>
           <a:bodyPr>
-            <a:normAutofit fontScale="90000"/>
+            <a:noAutofit/>
           </a:bodyPr>
           <a:lstStyle/>
           <a:p>
             <a:r>
-              <a:rPr lang="zh-CN" altLang="en-US" sz="8000" dirty="0" smtClean="0">
-                <a:latin typeface="Microsoft JhengHei" pitchFamily="34" charset="-120"/>
-                <a:ea typeface="Microsoft JhengHei" pitchFamily="34" charset="-120"/>
+              <a:rPr lang="zh-CN" altLang="en-US" sz="7200" b="1" dirty="0">
+                <a:solidFill>
+                  <a:srgbClr val="660033"/>
+                </a:solidFill>
+                <a:effectLst>
+                  <a:outerShdw blurRad="38100" dist="38100" dir="2700000" algn="tl">
+                    <a:srgbClr val="000000">
+                      <a:alpha val="43137"/>
+                    </a:srgbClr>
+                  </a:outerShdw>
+                </a:effectLst>
+                <a:latin typeface="微軟正黑體" pitchFamily="34" charset="-120"/>
+                <a:ea typeface="微軟正黑體" pitchFamily="34" charset="-120"/>
               </a:rPr>
               <a:t>主是力量</a:t>
             </a:r>
-            <a:endParaRPr lang="en-US" sz="8000" dirty="0">
-              <a:latin typeface="Microsoft JhengHei" pitchFamily="34" charset="-120"/>
-              <a:ea typeface="Microsoft JhengHei" pitchFamily="34" charset="-120"/>
+            <a:endParaRPr lang="en-US" sz="7200" b="1" dirty="0">
+              <a:solidFill>
+                <a:srgbClr val="660033"/>
+              </a:solidFill>
+              <a:effectLst>
+                <a:outerShdw blurRad="38100" dist="38100" dir="2700000" algn="tl">
+                  <a:srgbClr val="000000">
+                    <a:alpha val="43137"/>
+                  </a:srgbClr>
+                </a:outerShdw>
+              </a:effectLst>
+              <a:latin typeface="微軟正黑體" pitchFamily="34" charset="-120"/>
+              <a:ea typeface="微軟正黑體" pitchFamily="34" charset="-120"/>
             </a:endParaRPr>
           </a:p>
         </p:txBody>
@@ -3122,64 +3159,71 @@
           <a:lstStyle/>
           <a:p>
             <a:r>
-              <a:rPr lang="zh-CN" altLang="en-US" dirty="0" smtClean="0">
-                <a:latin typeface="Microsoft JhengHei" pitchFamily="34" charset="-120"/>
-                <a:ea typeface="Microsoft JhengHei" pitchFamily="34" charset="-120"/>
+              <a:rPr lang="zh-CN" altLang="en-US" b="1" dirty="0">
+                <a:solidFill>
+                  <a:srgbClr val="002060"/>
+                </a:solidFill>
+                <a:latin typeface="微軟正黑體" pitchFamily="34" charset="-120"/>
+                <a:ea typeface="微軟正黑體" pitchFamily="34" charset="-120"/>
               </a:rPr>
               <a:t>詩</a:t>
             </a:r>
             <a:r>
-              <a:rPr lang="en-US" altLang="zh-CN" dirty="0" smtClean="0">
-                <a:latin typeface="Microsoft JhengHei" pitchFamily="34" charset="-120"/>
-                <a:ea typeface="Microsoft JhengHei" pitchFamily="34" charset="-120"/>
+              <a:rPr lang="en-US" altLang="zh-CN" b="1" dirty="0">
+                <a:solidFill>
+                  <a:srgbClr val="002060"/>
+                </a:solidFill>
+                <a:latin typeface="微軟正黑體" pitchFamily="34" charset="-120"/>
+                <a:ea typeface="微軟正黑體" pitchFamily="34" charset="-120"/>
               </a:rPr>
               <a:t>27</a:t>
             </a:r>
             <a:r>
-              <a:rPr lang="zh-CN" altLang="en-US" dirty="0" smtClean="0">
-                <a:latin typeface="Microsoft JhengHei" pitchFamily="34" charset="-120"/>
-                <a:ea typeface="Microsoft JhengHei" pitchFamily="34" charset="-120"/>
+              <a:rPr lang="zh-CN" altLang="en-US" b="1" dirty="0">
+                <a:solidFill>
+                  <a:srgbClr val="002060"/>
+                </a:solidFill>
+                <a:latin typeface="微軟正黑體" pitchFamily="34" charset="-120"/>
+                <a:ea typeface="微軟正黑體" pitchFamily="34" charset="-120"/>
               </a:rPr>
               <a:t>：</a:t>
             </a:r>
             <a:r>
-              <a:rPr lang="en-US" altLang="zh-CN" dirty="0" smtClean="0">
-                <a:latin typeface="Microsoft JhengHei" pitchFamily="34" charset="-120"/>
-                <a:ea typeface="Microsoft JhengHei" pitchFamily="34" charset="-120"/>
+              <a:rPr lang="en-US" altLang="zh-CN" b="1" dirty="0">
+                <a:solidFill>
+                  <a:srgbClr val="002060"/>
+                </a:solidFill>
+                <a:latin typeface="微軟正黑體" pitchFamily="34" charset="-120"/>
+                <a:ea typeface="微軟正黑體" pitchFamily="34" charset="-120"/>
               </a:rPr>
               <a:t>1-8</a:t>
             </a:r>
             <a:r>
-              <a:rPr lang="zh-CN" altLang="en-US" dirty="0" smtClean="0">
-                <a:latin typeface="Microsoft JhengHei" pitchFamily="34" charset="-120"/>
-                <a:ea typeface="Microsoft JhengHei" pitchFamily="34" charset="-120"/>
+              <a:rPr lang="zh-CN" altLang="en-US" b="1" dirty="0">
+                <a:solidFill>
+                  <a:srgbClr val="002060"/>
+                </a:solidFill>
+                <a:latin typeface="微軟正黑體" pitchFamily="34" charset="-120"/>
+                <a:ea typeface="微軟正黑體" pitchFamily="34" charset="-120"/>
               </a:rPr>
               <a:t>，</a:t>
             </a:r>
             <a:r>
-              <a:rPr lang="en-US" altLang="zh-CN" smtClean="0">
-                <a:latin typeface="Microsoft JhengHei" pitchFamily="34" charset="-120"/>
-                <a:ea typeface="Microsoft JhengHei" pitchFamily="34" charset="-120"/>
+              <a:rPr lang="en-US" altLang="zh-CN" b="1" dirty="0">
+                <a:solidFill>
+                  <a:srgbClr val="002060"/>
+                </a:solidFill>
+                <a:latin typeface="微軟正黑體" pitchFamily="34" charset="-120"/>
+                <a:ea typeface="微軟正黑體" pitchFamily="34" charset="-120"/>
               </a:rPr>
-              <a:t>13</a:t>
-            </a:r>
-            <a:r>
-              <a:rPr lang="en-US" altLang="zh-CN" dirty="0" smtClean="0">
-                <a:latin typeface="Microsoft JhengHei" pitchFamily="34" charset="-120"/>
-                <a:ea typeface="Microsoft JhengHei" pitchFamily="34" charset="-120"/>
-              </a:rPr>
-              <a:t>-</a:t>
-            </a:r>
-            <a:r>
-              <a:rPr lang="en-US" altLang="zh-CN" smtClean="0">
-                <a:latin typeface="Microsoft JhengHei" pitchFamily="34" charset="-120"/>
-                <a:ea typeface="Microsoft JhengHei" pitchFamily="34" charset="-120"/>
-              </a:rPr>
-              <a:t>14</a:t>
-            </a:r>
-            <a:endParaRPr lang="en-US" dirty="0">
-              <a:latin typeface="Microsoft JhengHei" pitchFamily="34" charset="-120"/>
-              <a:ea typeface="Microsoft JhengHei" pitchFamily="34" charset="-120"/>
+              <a:t>13-14</a:t>
+            </a:r>
+            <a:endParaRPr lang="en-US" b="1" dirty="0">
+              <a:solidFill>
+                <a:srgbClr val="002060"/>
+              </a:solidFill>
+              <a:latin typeface="微軟正黑體" pitchFamily="34" charset="-120"/>
+              <a:ea typeface="微軟正黑體" pitchFamily="34" charset="-120"/>
             </a:endParaRPr>
           </a:p>
         </p:txBody>
@@ -3229,7 +3273,7 @@
         <p:spPr>
           <a:xfrm>
             <a:off x="0" y="0"/>
-            <a:ext cx="9144000" cy="5257800"/>
+            <a:ext cx="9144000" cy="5143500"/>
           </a:xfrm>
         </p:spPr>
         <p:txBody>
@@ -3239,35 +3283,54 @@
           <a:lstStyle/>
           <a:p>
             <a:r>
-              <a:rPr lang="zh-TW" altLang="en-US" sz="4800" dirty="0" smtClean="0">
+              <a:rPr lang="zh-TW" altLang="en-US" sz="4800" dirty="0">
+                <a:solidFill>
+                  <a:srgbClr val="002060"/>
+                </a:solidFill>
+                <a:latin typeface="微軟正黑體" pitchFamily="34" charset="-120"/>
+                <a:ea typeface="微軟正黑體" pitchFamily="34" charset="-120"/>
+              </a:rPr>
+              <a:t>耶和華是我的亮光，是我的拯救，我還怕誰呢？耶和華是我性命的保障，我還懼誰呢？</a:t>
+            </a:r>
+            <a:r>
+              <a:rPr lang="en-US" altLang="zh-TW" sz="4800" dirty="0">
+                <a:solidFill>
+                  <a:srgbClr val="002060"/>
+                </a:solidFill>
+                <a:latin typeface="微軟正黑體" pitchFamily="34" charset="-120"/>
+                <a:ea typeface="微軟正黑體" pitchFamily="34" charset="-120"/>
+              </a:rPr>
+              <a:t> </a:t>
+            </a:r>
+          </a:p>
+          <a:p>
+            <a:r>
+              <a:rPr lang="zh-TW" altLang="en-US" sz="4800" b="1" dirty="0" smtClean="0">
+                <a:solidFill>
+                  <a:srgbClr val="002060"/>
+                </a:solidFill>
                 <a:latin typeface="Microsoft JhengHei" pitchFamily="34" charset="-120"/>
                 <a:ea typeface="Microsoft JhengHei" pitchFamily="34" charset="-120"/>
               </a:rPr>
-              <a:t>耶和華是我的亮光，是我的拯救，我還怕誰呢？耶和華是我性命的保障，我還懼誰呢？</a:t>
-            </a:r>
-            <a:r>
-              <a:rPr lang="en-US" altLang="zh-TW" sz="4800" dirty="0" smtClean="0">
+              <a:t>那作惡的就是我的仇敵，前來吃我肉的時候就絆跌仆倒。</a:t>
+            </a:r>
+            <a:r>
+              <a:rPr lang="en-US" altLang="zh-TW" sz="4800" b="1" dirty="0" smtClean="0">
+                <a:solidFill>
+                  <a:srgbClr val="002060"/>
+                </a:solidFill>
                 <a:latin typeface="Microsoft JhengHei" pitchFamily="34" charset="-120"/>
                 <a:ea typeface="Microsoft JhengHei" pitchFamily="34" charset="-120"/>
               </a:rPr>
               <a:t> </a:t>
             </a:r>
-          </a:p>
-          <a:p>
-            <a:r>
-              <a:rPr lang="zh-TW" altLang="en-US" sz="4800" b="1" dirty="0" smtClean="0">
-                <a:latin typeface="Microsoft JhengHei" pitchFamily="34" charset="-120"/>
-                <a:ea typeface="Microsoft JhengHei" pitchFamily="34" charset="-120"/>
-              </a:rPr>
-              <a:t>那作惡的就是我的仇敵，前來吃我肉的時候就絆跌仆倒。</a:t>
-            </a:r>
-            <a:r>
-              <a:rPr lang="en-US" altLang="zh-TW" sz="4800" b="1" dirty="0" smtClean="0">
-                <a:latin typeface="Microsoft JhengHei" pitchFamily="34" charset="-120"/>
-                <a:ea typeface="Microsoft JhengHei" pitchFamily="34" charset="-120"/>
-              </a:rPr>
-              <a:t> </a:t>
-            </a:r>
+            <a:endParaRPr lang="en-US" altLang="zh-TW" sz="4800" b="1" dirty="0" smtClean="0">
+              <a:solidFill>
+                <a:srgbClr val="002060"/>
+              </a:solidFill>
+              <a:latin typeface="Microsoft JhengHei" pitchFamily="34" charset="-120"/>
+              <a:ea typeface="Microsoft JhengHei" pitchFamily="34" charset="-120"/>
+            </a:endParaRPr>
           </a:p>
         </p:txBody>
       </p:sp>
@@ -3316,7 +3379,7 @@
         <p:spPr>
           <a:xfrm>
             <a:off x="0" y="0"/>
-            <a:ext cx="9144000" cy="5257800"/>
+            <a:ext cx="9144000" cy="5143500"/>
           </a:xfrm>
         </p:spPr>
         <p:txBody>
@@ -3327,31 +3390,51 @@
           <a:p>
             <a:r>
               <a:rPr lang="zh-TW" altLang="en-US" sz="5200" dirty="0">
+                <a:solidFill>
+                  <a:srgbClr val="002060"/>
+                </a:solidFill>
                 <a:latin typeface="Microsoft JhengHei" pitchFamily="34" charset="-120"/>
                 <a:ea typeface="Microsoft JhengHei" pitchFamily="34" charset="-120"/>
               </a:rPr>
               <a:t>雖有軍兵安營攻擊我，我的心也不害怕；雖然興起刀兵攻擊我，我必仍舊安穩。</a:t>
             </a:r>
             <a:r>
-              <a:rPr lang="en-US" altLang="zh-TW" sz="5400" dirty="0" smtClean="0"/>
+              <a:rPr lang="en-US" altLang="zh-TW" sz="5400" dirty="0" smtClean="0">
+                <a:solidFill>
+                  <a:srgbClr val="002060"/>
+                </a:solidFill>
+              </a:rPr>
               <a:t> </a:t>
             </a:r>
           </a:p>
           <a:p>
             <a:r>
-              <a:rPr lang="zh-TW" altLang="en-US" sz="5200" b="1" dirty="0">
+              <a:rPr lang="zh-TW" altLang="en-US" sz="5200" b="1" dirty="0" smtClean="0">
+                <a:solidFill>
+                  <a:srgbClr val="002060"/>
+                </a:solidFill>
                 <a:latin typeface="Microsoft JhengHei" pitchFamily="34" charset="-120"/>
                 <a:ea typeface="Microsoft JhengHei" pitchFamily="34" charset="-120"/>
               </a:rPr>
               <a:t>有一件事，我曾求耶和華，我仍要尋求：就是一生一世住在耶和華的殿中，瞻仰他的榮美，在他的殿裡求問。</a:t>
             </a:r>
             <a:r>
-              <a:rPr lang="en-US" altLang="zh-TW" sz="5200" b="1" dirty="0">
+              <a:rPr lang="en-US" altLang="zh-TW" sz="5200" b="1" dirty="0" smtClean="0">
+                <a:solidFill>
+                  <a:srgbClr val="002060"/>
+                </a:solidFill>
                 <a:latin typeface="Microsoft JhengHei" pitchFamily="34" charset="-120"/>
                 <a:ea typeface="Microsoft JhengHei" pitchFamily="34" charset="-120"/>
               </a:rPr>
               <a:t> </a:t>
             </a:r>
+            <a:endParaRPr lang="en-US" altLang="zh-TW" sz="5200" b="1" dirty="0">
+              <a:solidFill>
+                <a:srgbClr val="002060"/>
+              </a:solidFill>
+              <a:latin typeface="Microsoft JhengHei" pitchFamily="34" charset="-120"/>
+              <a:ea typeface="Microsoft JhengHei" pitchFamily="34" charset="-120"/>
+            </a:endParaRPr>
           </a:p>
         </p:txBody>
       </p:sp>
@@ -3400,42 +3483,51 @@
         <p:spPr>
           <a:xfrm>
             <a:off x="0" y="0"/>
-            <a:ext cx="9144000" cy="5257800"/>
+            <a:ext cx="9144000" cy="5143500"/>
           </a:xfrm>
         </p:spPr>
         <p:txBody>
           <a:bodyPr>
-            <a:normAutofit fontScale="92500" lnSpcReduction="10000"/>
+            <a:normAutofit/>
           </a:bodyPr>
           <a:lstStyle/>
           <a:p>
             <a:r>
-              <a:rPr lang="zh-TW" altLang="en-US" sz="5200" dirty="0">
+              <a:rPr lang="zh-TW" altLang="en-US" sz="4800" dirty="0">
+                <a:solidFill>
+                  <a:srgbClr val="002060"/>
+                </a:solidFill>
                 <a:latin typeface="Microsoft JhengHei" pitchFamily="34" charset="-120"/>
                 <a:ea typeface="Microsoft JhengHei" pitchFamily="34" charset="-120"/>
               </a:rPr>
               <a:t>因為我遭遇患難，他必暗暗的保守我；在他亭子裡，把我藏在他帳幕的隱密處，將我高舉在磐石上。</a:t>
             </a:r>
             <a:r>
-              <a:rPr lang="en-US" altLang="zh-TW" sz="5200" dirty="0">
+              <a:rPr lang="en-US" altLang="zh-TW" sz="4800" dirty="0">
+                <a:solidFill>
+                  <a:srgbClr val="002060"/>
+                </a:solidFill>
                 <a:latin typeface="Microsoft JhengHei" pitchFamily="34" charset="-120"/>
                 <a:ea typeface="Microsoft JhengHei" pitchFamily="34" charset="-120"/>
               </a:rPr>
               <a:t> </a:t>
             </a:r>
-          </a:p>
-          <a:p>
-            <a:r>
-              <a:rPr lang="zh-TW" altLang="en-US" sz="5200" b="1" dirty="0">
-                <a:latin typeface="Microsoft JhengHei" pitchFamily="34" charset="-120"/>
-                <a:ea typeface="Microsoft JhengHei" pitchFamily="34" charset="-120"/>
-              </a:rPr>
-              <a:t>現在我得以昂首，高過四面的仇敵。我要在他的帳幕裡歡然獻祭；我要唱詩歌頌耶和華。</a:t>
-            </a:r>
-            <a:r>
-              <a:rPr lang="en-US" altLang="zh-TW" sz="5400" b="1" dirty="0" smtClean="0"/>
-              <a:t> </a:t>
-            </a:r>
+            <a:endParaRPr lang="en-US" altLang="zh-TW" sz="4800" dirty="0" smtClean="0">
+              <a:solidFill>
+                <a:srgbClr val="002060"/>
+              </a:solidFill>
+              <a:latin typeface="Microsoft JhengHei" pitchFamily="34" charset="-120"/>
+              <a:ea typeface="Microsoft JhengHei" pitchFamily="34" charset="-120"/>
+            </a:endParaRPr>
+          </a:p>
+          <a:p>
+            <a:endParaRPr lang="en-US" altLang="zh-TW" sz="4800" dirty="0">
+              <a:solidFill>
+                <a:srgbClr val="002060"/>
+              </a:solidFill>
+              <a:latin typeface="Microsoft JhengHei" pitchFamily="34" charset="-120"/>
+              <a:ea typeface="Microsoft JhengHei" pitchFamily="34" charset="-120"/>
+            </a:endParaRPr>
           </a:p>
         </p:txBody>
       </p:sp>
@@ -3484,7 +3576,7 @@
         <p:spPr>
           <a:xfrm>
             <a:off x="0" y="0"/>
-            <a:ext cx="9144000" cy="5257800"/>
+            <a:ext cx="9144000" cy="5143500"/>
           </a:xfrm>
         </p:spPr>
         <p:txBody>
@@ -3494,33 +3586,32 @@
           <a:lstStyle/>
           <a:p>
             <a:r>
-              <a:rPr lang="zh-TW" altLang="en-US" sz="4800" dirty="0">
+              <a:rPr lang="zh-TW" altLang="en-US" sz="4800" b="1" dirty="0">
+                <a:solidFill>
+                  <a:srgbClr val="002060"/>
+                </a:solidFill>
                 <a:latin typeface="Microsoft JhengHei" pitchFamily="34" charset="-120"/>
                 <a:ea typeface="Microsoft JhengHei" pitchFamily="34" charset="-120"/>
               </a:rPr>
-              <a:t>耶和華啊，我用聲音呼籲的時候，求你垂聽；並求你憐恤我，應允我。</a:t>
-            </a:r>
-            <a:r>
-              <a:rPr lang="en-US" altLang="zh-TW" sz="5400" dirty="0" smtClean="0"/>
+              <a:t>現在我得以昂首，高過四面的仇敵。我要在他的帳幕裡歡然獻祭；我要唱詩歌頌耶和華。</a:t>
+            </a:r>
+            <a:r>
+              <a:rPr lang="en-US" altLang="zh-TW" sz="4800" b="1" dirty="0">
+                <a:solidFill>
+                  <a:srgbClr val="002060"/>
+                </a:solidFill>
+              </a:rPr>
               <a:t> </a:t>
             </a:r>
           </a:p>
-          <a:p>
-            <a:r>
-              <a:rPr lang="zh-TW" altLang="en-US" sz="4800" b="1" dirty="0">
-                <a:latin typeface="Microsoft JhengHei" pitchFamily="34" charset="-120"/>
-                <a:ea typeface="Microsoft JhengHei" pitchFamily="34" charset="-120"/>
-              </a:rPr>
-              <a:t>你說：你們當尋求我的面。那時我心向你說：耶和華啊，你的面我正要尋求。</a:t>
-            </a:r>
-            <a:r>
-              <a:rPr lang="en-US" altLang="zh-TW" sz="5400" b="1" dirty="0" smtClean="0"/>
-              <a:t> </a:t>
-            </a:r>
-          </a:p>
         </p:txBody>
       </p:sp>
     </p:spTree>
+    <p:extLst>
+      <p:ext uri="{BB962C8B-B14F-4D97-AF65-F5344CB8AC3E}">
+        <p14:creationId xmlns:p14="http://schemas.microsoft.com/office/powerpoint/2010/main" val="1756617505"/>
+      </p:ext>
+    </p:extLst>
   </p:cSld>
   <p:clrMapOvr>
     <a:masterClrMapping/>
@@ -3565,7 +3656,7 @@
         <p:spPr>
           <a:xfrm>
             <a:off x="0" y="0"/>
-            <a:ext cx="9144000" cy="5257800"/>
+            <a:ext cx="9144000" cy="5143500"/>
           </a:xfrm>
         </p:spPr>
         <p:txBody>
@@ -3576,19 +3667,124 @@
           <a:p>
             <a:r>
               <a:rPr lang="zh-TW" altLang="en-US" sz="4800" dirty="0">
+                <a:solidFill>
+                  <a:srgbClr val="002060"/>
+                </a:solidFill>
+                <a:latin typeface="Microsoft JhengHei" pitchFamily="34" charset="-120"/>
+                <a:ea typeface="Microsoft JhengHei" pitchFamily="34" charset="-120"/>
+              </a:rPr>
+              <a:t>耶和華啊，我用聲音呼籲的時候，求你垂聽；並求你憐恤我，應允我。</a:t>
+            </a:r>
+            <a:r>
+              <a:rPr lang="en-US" altLang="zh-TW" sz="5400" dirty="0" smtClean="0">
+                <a:solidFill>
+                  <a:srgbClr val="002060"/>
+                </a:solidFill>
+              </a:rPr>
+              <a:t> </a:t>
+            </a:r>
+          </a:p>
+          <a:p>
+            <a:r>
+              <a:rPr lang="zh-TW" altLang="en-US" sz="4800" b="1" dirty="0">
+                <a:solidFill>
+                  <a:srgbClr val="002060"/>
+                </a:solidFill>
+                <a:latin typeface="Microsoft JhengHei" pitchFamily="34" charset="-120"/>
+                <a:ea typeface="Microsoft JhengHei" pitchFamily="34" charset="-120"/>
+              </a:rPr>
+              <a:t>你說：你們當尋求我的面。那時我心向你說：耶和華啊，你的面我正要尋求。</a:t>
+            </a:r>
+            <a:r>
+              <a:rPr lang="en-US" altLang="zh-TW" sz="5400" b="1" dirty="0" smtClean="0">
+                <a:solidFill>
+                  <a:srgbClr val="002060"/>
+                </a:solidFill>
+              </a:rPr>
+              <a:t> </a:t>
+            </a:r>
+          </a:p>
+        </p:txBody>
+      </p:sp>
+    </p:spTree>
+  </p:cSld>
+  <p:clrMapOvr>
+    <a:masterClrMapping/>
+  </p:clrMapOvr>
+  <p:timing>
+    <p:tnLst>
+      <p:par>
+        <p:cTn id="1" dur="indefinite" restart="never" nodeType="tmRoot"/>
+      </p:par>
+    </p:tnLst>
+  </p:timing>
+</p:sld>
+</file>
+
+<file path=ppt/slides/slide7.xml><?xml version="1.0" encoding="utf-8"?>
+<p:sld xmlns:a="http://schemas.openxmlformats.org/drawingml/2006/main" xmlns:r="http://schemas.openxmlformats.org/officeDocument/2006/relationships" xmlns:p="http://schemas.openxmlformats.org/presentationml/2006/main">
+  <p:cSld>
+    <p:spTree>
+      <p:nvGrpSpPr>
+        <p:cNvPr id="1" name=""/>
+        <p:cNvGrpSpPr/>
+        <p:nvPr/>
+      </p:nvGrpSpPr>
+      <p:grpSpPr>
+        <a:xfrm>
+          <a:off x="0" y="0"/>
+          <a:ext cx="0" cy="0"/>
+          <a:chOff x="0" y="0"/>
+          <a:chExt cx="0" cy="0"/>
+        </a:xfrm>
+      </p:grpSpPr>
+      <p:sp>
+        <p:nvSpPr>
+          <p:cNvPr id="3" name="Content Placeholder 2"/>
+          <p:cNvSpPr>
+            <a:spLocks noGrp="1"/>
+          </p:cNvSpPr>
+          <p:nvPr>
+            <p:ph idx="1"/>
+          </p:nvPr>
+        </p:nvSpPr>
+        <p:spPr>
+          <a:xfrm>
+            <a:off x="0" y="0"/>
+            <a:ext cx="9144000" cy="5143500"/>
+          </a:xfrm>
+        </p:spPr>
+        <p:txBody>
+          <a:bodyPr>
+            <a:normAutofit/>
+          </a:bodyPr>
+          <a:lstStyle/>
+          <a:p>
+            <a:r>
+              <a:rPr lang="zh-TW" altLang="en-US" sz="4800" dirty="0">
+                <a:solidFill>
+                  <a:srgbClr val="002060"/>
+                </a:solidFill>
                 <a:latin typeface="Microsoft JhengHei" pitchFamily="34" charset="-120"/>
                 <a:ea typeface="Microsoft JhengHei" pitchFamily="34" charset="-120"/>
               </a:rPr>
               <a:t>我若不信在活人之地得見耶和華的恩惠，就早已喪膽了。</a:t>
             </a:r>
             <a:r>
-              <a:rPr lang="en-US" altLang="zh-TW" sz="5400" dirty="0" smtClean="0"/>
+              <a:rPr lang="en-US" altLang="zh-TW" sz="5400" dirty="0" smtClean="0">
+                <a:solidFill>
+                  <a:srgbClr val="002060"/>
+                </a:solidFill>
+              </a:rPr>
               <a:t> </a:t>
             </a:r>
           </a:p>
           <a:p>
             <a:r>
               <a:rPr lang="zh-TW" altLang="en-US" sz="4800" b="1" dirty="0">
+                <a:solidFill>
+                  <a:srgbClr val="002060"/>
+                </a:solidFill>
                 <a:latin typeface="Microsoft JhengHei" pitchFamily="34" charset="-120"/>
                 <a:ea typeface="Microsoft JhengHei" pitchFamily="34" charset="-120"/>
               </a:rPr>
@@ -3596,6 +3792,9 @@
             </a:r>
             <a:r>
               <a:rPr lang="en-US" altLang="zh-TW" sz="4800" b="1" dirty="0">
+                <a:solidFill>
+                  <a:srgbClr val="002060"/>
+                </a:solidFill>
                 <a:latin typeface="Microsoft JhengHei" pitchFamily="34" charset="-120"/>
                 <a:ea typeface="Microsoft JhengHei" pitchFamily="34" charset="-120"/>
               </a:rPr>

--- a/63主是力量.pptx
+++ b/63主是力量.pptx
@@ -9,9 +9,8 @@
     <p:sldId id="257" r:id="rId3"/>
     <p:sldId id="258" r:id="rId4"/>
     <p:sldId id="259" r:id="rId5"/>
-    <p:sldId id="262" r:id="rId6"/>
-    <p:sldId id="260" r:id="rId7"/>
-    <p:sldId id="261" r:id="rId8"/>
+    <p:sldId id="260" r:id="rId6"/>
+    <p:sldId id="261" r:id="rId7"/>
   </p:sldIdLst>
   <p:sldSz cx="9144000" cy="5143500" type="screen16x9"/>
   <p:notesSz cx="6858000" cy="9144000"/>
@@ -311,7 +310,7 @@
             <a:fld id="{86B5546F-C09B-4E63-ABC5-F7C86A7E8D66}" type="datetimeFigureOut">
               <a:rPr lang="en-US" smtClean="0"/>
               <a:pPr/>
-              <a:t>3/20/2020</a:t>
+              <a:t>7/8/2021</a:t>
             </a:fld>
             <a:endParaRPr lang="en-US"/>
           </a:p>
@@ -478,7 +477,7 @@
             <a:fld id="{86B5546F-C09B-4E63-ABC5-F7C86A7E8D66}" type="datetimeFigureOut">
               <a:rPr lang="en-US" smtClean="0"/>
               <a:pPr/>
-              <a:t>3/20/2020</a:t>
+              <a:t>7/8/2021</a:t>
             </a:fld>
             <a:endParaRPr lang="en-US"/>
           </a:p>
@@ -655,7 +654,7 @@
             <a:fld id="{86B5546F-C09B-4E63-ABC5-F7C86A7E8D66}" type="datetimeFigureOut">
               <a:rPr lang="en-US" smtClean="0"/>
               <a:pPr/>
-              <a:t>3/20/2020</a:t>
+              <a:t>7/8/2021</a:t>
             </a:fld>
             <a:endParaRPr lang="en-US"/>
           </a:p>
@@ -822,7 +821,7 @@
             <a:fld id="{86B5546F-C09B-4E63-ABC5-F7C86A7E8D66}" type="datetimeFigureOut">
               <a:rPr lang="en-US" smtClean="0"/>
               <a:pPr/>
-              <a:t>3/20/2020</a:t>
+              <a:t>7/8/2021</a:t>
             </a:fld>
             <a:endParaRPr lang="en-US"/>
           </a:p>
@@ -1065,7 +1064,7 @@
             <a:fld id="{86B5546F-C09B-4E63-ABC5-F7C86A7E8D66}" type="datetimeFigureOut">
               <a:rPr lang="en-US" smtClean="0"/>
               <a:pPr/>
-              <a:t>3/20/2020</a:t>
+              <a:t>7/8/2021</a:t>
             </a:fld>
             <a:endParaRPr lang="en-US"/>
           </a:p>
@@ -1350,7 +1349,7 @@
             <a:fld id="{86B5546F-C09B-4E63-ABC5-F7C86A7E8D66}" type="datetimeFigureOut">
               <a:rPr lang="en-US" smtClean="0"/>
               <a:pPr/>
-              <a:t>3/20/2020</a:t>
+              <a:t>7/8/2021</a:t>
             </a:fld>
             <a:endParaRPr lang="en-US"/>
           </a:p>
@@ -1769,7 +1768,7 @@
             <a:fld id="{86B5546F-C09B-4E63-ABC5-F7C86A7E8D66}" type="datetimeFigureOut">
               <a:rPr lang="en-US" smtClean="0"/>
               <a:pPr/>
-              <a:t>3/20/2020</a:t>
+              <a:t>7/8/2021</a:t>
             </a:fld>
             <a:endParaRPr lang="en-US"/>
           </a:p>
@@ -1884,7 +1883,7 @@
             <a:fld id="{86B5546F-C09B-4E63-ABC5-F7C86A7E8D66}" type="datetimeFigureOut">
               <a:rPr lang="en-US" smtClean="0"/>
               <a:pPr/>
-              <a:t>3/20/2020</a:t>
+              <a:t>7/8/2021</a:t>
             </a:fld>
             <a:endParaRPr lang="en-US"/>
           </a:p>
@@ -1976,7 +1975,7 @@
             <a:fld id="{86B5546F-C09B-4E63-ABC5-F7C86A7E8D66}" type="datetimeFigureOut">
               <a:rPr lang="en-US" smtClean="0"/>
               <a:pPr/>
-              <a:t>3/20/2020</a:t>
+              <a:t>7/8/2021</a:t>
             </a:fld>
             <a:endParaRPr lang="en-US"/>
           </a:p>
@@ -2250,7 +2249,7 @@
             <a:fld id="{86B5546F-C09B-4E63-ABC5-F7C86A7E8D66}" type="datetimeFigureOut">
               <a:rPr lang="en-US" smtClean="0"/>
               <a:pPr/>
-              <a:t>3/20/2020</a:t>
+              <a:t>7/8/2021</a:t>
             </a:fld>
             <a:endParaRPr lang="en-US"/>
           </a:p>
@@ -2504,7 +2503,7 @@
             <a:fld id="{86B5546F-C09B-4E63-ABC5-F7C86A7E8D66}" type="datetimeFigureOut">
               <a:rPr lang="en-US" smtClean="0"/>
               <a:pPr/>
-              <a:t>3/20/2020</a:t>
+              <a:t>7/8/2021</a:t>
             </a:fld>
             <a:endParaRPr lang="en-US"/>
           </a:p>
@@ -2719,7 +2718,7 @@
             <a:fld id="{86B5546F-C09B-4E63-ABC5-F7C86A7E8D66}" type="datetimeFigureOut">
               <a:rPr lang="en-US" smtClean="0"/>
               <a:pPr/>
-              <a:t>3/20/2020</a:t>
+              <a:t>7/8/2021</a:t>
             </a:fld>
             <a:endParaRPr lang="en-US"/>
           </a:p>
@@ -3159,19 +3158,19 @@
           <a:lstStyle/>
           <a:p>
             <a:r>
-              <a:rPr lang="zh-CN" altLang="en-US" b="1" dirty="0">
-                <a:solidFill>
-                  <a:srgbClr val="002060"/>
+              <a:rPr lang="zh-CN" altLang="en-US" b="1" dirty="0" smtClean="0">
+                <a:solidFill>
+                  <a:srgbClr val="000066"/>
                 </a:solidFill>
                 <a:latin typeface="微軟正黑體" pitchFamily="34" charset="-120"/>
                 <a:ea typeface="微軟正黑體" pitchFamily="34" charset="-120"/>
               </a:rPr>
-              <a:t>詩</a:t>
-            </a:r>
-            <a:r>
-              <a:rPr lang="en-US" altLang="zh-CN" b="1" dirty="0">
-                <a:solidFill>
-                  <a:srgbClr val="002060"/>
+              <a:t>詩  </a:t>
+            </a:r>
+            <a:r>
+              <a:rPr lang="en-US" altLang="zh-CN" b="1" dirty="0" smtClean="0">
+                <a:solidFill>
+                  <a:srgbClr val="000066"/>
                 </a:solidFill>
                 <a:latin typeface="微軟正黑體" pitchFamily="34" charset="-120"/>
                 <a:ea typeface="微軟正黑體" pitchFamily="34" charset="-120"/>
@@ -3181,7 +3180,7 @@
             <a:r>
               <a:rPr lang="zh-CN" altLang="en-US" b="1" dirty="0">
                 <a:solidFill>
-                  <a:srgbClr val="002060"/>
+                  <a:srgbClr val="000066"/>
                 </a:solidFill>
                 <a:latin typeface="微軟正黑體" pitchFamily="34" charset="-120"/>
                 <a:ea typeface="微軟正黑體" pitchFamily="34" charset="-120"/>
@@ -3191,7 +3190,7 @@
             <a:r>
               <a:rPr lang="en-US" altLang="zh-CN" b="1" dirty="0">
                 <a:solidFill>
-                  <a:srgbClr val="002060"/>
+                  <a:srgbClr val="000066"/>
                 </a:solidFill>
                 <a:latin typeface="微軟正黑體" pitchFamily="34" charset="-120"/>
                 <a:ea typeface="微軟正黑體" pitchFamily="34" charset="-120"/>
@@ -3201,7 +3200,7 @@
             <a:r>
               <a:rPr lang="zh-CN" altLang="en-US" b="1" dirty="0">
                 <a:solidFill>
-                  <a:srgbClr val="002060"/>
+                  <a:srgbClr val="000066"/>
                 </a:solidFill>
                 <a:latin typeface="微軟正黑體" pitchFamily="34" charset="-120"/>
                 <a:ea typeface="微軟正黑體" pitchFamily="34" charset="-120"/>
@@ -3211,7 +3210,7 @@
             <a:r>
               <a:rPr lang="en-US" altLang="zh-CN" b="1" dirty="0">
                 <a:solidFill>
-                  <a:srgbClr val="002060"/>
+                  <a:srgbClr val="000066"/>
                 </a:solidFill>
                 <a:latin typeface="微軟正黑體" pitchFamily="34" charset="-120"/>
                 <a:ea typeface="微軟正黑體" pitchFamily="34" charset="-120"/>
@@ -3220,7 +3219,7 @@
             </a:r>
             <a:endParaRPr lang="en-US" b="1" dirty="0">
               <a:solidFill>
-                <a:srgbClr val="002060"/>
+                <a:srgbClr val="000066"/>
               </a:solidFill>
               <a:latin typeface="微軟正黑體" pitchFamily="34" charset="-120"/>
               <a:ea typeface="微軟正黑體" pitchFamily="34" charset="-120"/>
@@ -3273,11 +3272,11 @@
         <p:spPr>
           <a:xfrm>
             <a:off x="0" y="0"/>
-            <a:ext cx="9144000" cy="5143500"/>
+            <a:ext cx="8991600" cy="5143500"/>
           </a:xfrm>
         </p:spPr>
         <p:txBody>
-          <a:bodyPr>
+          <a:bodyPr anchor="ctr">
             <a:normAutofit/>
           </a:bodyPr>
           <a:lstStyle/>
@@ -3285,7 +3284,7 @@
             <a:r>
               <a:rPr lang="zh-TW" altLang="en-US" sz="4800" dirty="0">
                 <a:solidFill>
-                  <a:srgbClr val="002060"/>
+                  <a:srgbClr val="000066"/>
                 </a:solidFill>
                 <a:latin typeface="微軟正黑體" pitchFamily="34" charset="-120"/>
                 <a:ea typeface="微軟正黑體" pitchFamily="34" charset="-120"/>
@@ -3295,7 +3294,7 @@
             <a:r>
               <a:rPr lang="en-US" altLang="zh-TW" sz="4800" dirty="0">
                 <a:solidFill>
-                  <a:srgbClr val="002060"/>
+                  <a:srgbClr val="000066"/>
                 </a:solidFill>
                 <a:latin typeface="微軟正黑體" pitchFamily="34" charset="-120"/>
                 <a:ea typeface="微軟正黑體" pitchFamily="34" charset="-120"/>
@@ -3307,7 +3306,7 @@
             <a:r>
               <a:rPr lang="zh-TW" altLang="en-US" sz="4800" b="1" dirty="0" smtClean="0">
                 <a:solidFill>
-                  <a:srgbClr val="002060"/>
+                  <a:srgbClr val="000066"/>
                 </a:solidFill>
                 <a:latin typeface="Microsoft JhengHei" pitchFamily="34" charset="-120"/>
                 <a:ea typeface="Microsoft JhengHei" pitchFamily="34" charset="-120"/>
@@ -3317,20 +3316,13 @@
             <a:r>
               <a:rPr lang="en-US" altLang="zh-TW" sz="4800" b="1" dirty="0" smtClean="0">
                 <a:solidFill>
-                  <a:srgbClr val="002060"/>
+                  <a:srgbClr val="000066"/>
                 </a:solidFill>
                 <a:latin typeface="Microsoft JhengHei" pitchFamily="34" charset="-120"/>
                 <a:ea typeface="Microsoft JhengHei" pitchFamily="34" charset="-120"/>
               </a:rPr>
               <a:t> </a:t>
             </a:r>
-            <a:endParaRPr lang="en-US" altLang="zh-TW" sz="4800" b="1" dirty="0" smtClean="0">
-              <a:solidFill>
-                <a:srgbClr val="002060"/>
-              </a:solidFill>
-              <a:latin typeface="Microsoft JhengHei" pitchFamily="34" charset="-120"/>
-              <a:ea typeface="Microsoft JhengHei" pitchFamily="34" charset="-120"/>
-            </a:endParaRPr>
           </a:p>
         </p:txBody>
       </p:sp>
@@ -3383,7 +3375,7 @@
           </a:xfrm>
         </p:spPr>
         <p:txBody>
-          <a:bodyPr>
+          <a:bodyPr anchor="ctr">
             <a:normAutofit fontScale="92500" lnSpcReduction="10000"/>
           </a:bodyPr>
           <a:lstStyle/>
@@ -3391,7 +3383,7 @@
             <a:r>
               <a:rPr lang="zh-TW" altLang="en-US" sz="5200" dirty="0">
                 <a:solidFill>
-                  <a:srgbClr val="002060"/>
+                  <a:srgbClr val="000066"/>
                 </a:solidFill>
                 <a:latin typeface="Microsoft JhengHei" pitchFamily="34" charset="-120"/>
                 <a:ea typeface="Microsoft JhengHei" pitchFamily="34" charset="-120"/>
@@ -3401,7 +3393,7 @@
             <a:r>
               <a:rPr lang="en-US" altLang="zh-TW" sz="5400" dirty="0" smtClean="0">
                 <a:solidFill>
-                  <a:srgbClr val="002060"/>
+                  <a:srgbClr val="000066"/>
                 </a:solidFill>
               </a:rPr>
               <a:t> </a:t>
@@ -3411,7 +3403,7 @@
             <a:r>
               <a:rPr lang="zh-TW" altLang="en-US" sz="5200" b="1" dirty="0" smtClean="0">
                 <a:solidFill>
-                  <a:srgbClr val="002060"/>
+                  <a:srgbClr val="000066"/>
                 </a:solidFill>
                 <a:latin typeface="Microsoft JhengHei" pitchFamily="34" charset="-120"/>
                 <a:ea typeface="Microsoft JhengHei" pitchFamily="34" charset="-120"/>
@@ -3421,7 +3413,7 @@
             <a:r>
               <a:rPr lang="en-US" altLang="zh-TW" sz="5200" b="1" dirty="0" smtClean="0">
                 <a:solidFill>
-                  <a:srgbClr val="002060"/>
+                  <a:srgbClr val="000066"/>
                 </a:solidFill>
                 <a:latin typeface="Microsoft JhengHei" pitchFamily="34" charset="-120"/>
                 <a:ea typeface="Microsoft JhengHei" pitchFamily="34" charset="-120"/>
@@ -3430,7 +3422,7 @@
             </a:r>
             <a:endParaRPr lang="en-US" altLang="zh-TW" sz="5200" b="1" dirty="0">
               <a:solidFill>
-                <a:srgbClr val="002060"/>
+                <a:srgbClr val="000066"/>
               </a:solidFill>
               <a:latin typeface="Microsoft JhengHei" pitchFamily="34" charset="-120"/>
               <a:ea typeface="Microsoft JhengHei" pitchFamily="34" charset="-120"/>
@@ -3483,19 +3475,19 @@
         <p:spPr>
           <a:xfrm>
             <a:off x="0" y="0"/>
-            <a:ext cx="9144000" cy="5143500"/>
+            <a:ext cx="8991600" cy="5143500"/>
           </a:xfrm>
         </p:spPr>
         <p:txBody>
-          <a:bodyPr>
-            <a:normAutofit/>
+          <a:bodyPr anchor="ctr">
+            <a:normAutofit lnSpcReduction="10000"/>
           </a:bodyPr>
           <a:lstStyle/>
           <a:p>
             <a:r>
               <a:rPr lang="zh-TW" altLang="en-US" sz="4800" dirty="0">
                 <a:solidFill>
-                  <a:srgbClr val="002060"/>
+                  <a:srgbClr val="000066"/>
                 </a:solidFill>
                 <a:latin typeface="Microsoft JhengHei" pitchFamily="34" charset="-120"/>
                 <a:ea typeface="Microsoft JhengHei" pitchFamily="34" charset="-120"/>
@@ -3505,7 +3497,7 @@
             <a:r>
               <a:rPr lang="en-US" altLang="zh-TW" sz="4800" dirty="0">
                 <a:solidFill>
-                  <a:srgbClr val="002060"/>
+                  <a:srgbClr val="000066"/>
                 </a:solidFill>
                 <a:latin typeface="Microsoft JhengHei" pitchFamily="34" charset="-120"/>
                 <a:ea typeface="Microsoft JhengHei" pitchFamily="34" charset="-120"/>
@@ -3514,20 +3506,31 @@
             </a:r>
             <a:endParaRPr lang="en-US" altLang="zh-TW" sz="4800" dirty="0" smtClean="0">
               <a:solidFill>
-                <a:srgbClr val="002060"/>
+                <a:srgbClr val="000066"/>
               </a:solidFill>
               <a:latin typeface="Microsoft JhengHei" pitchFamily="34" charset="-120"/>
               <a:ea typeface="Microsoft JhengHei" pitchFamily="34" charset="-120"/>
             </a:endParaRPr>
           </a:p>
           <a:p>
-            <a:endParaRPr lang="en-US" altLang="zh-TW" sz="4800" dirty="0">
-              <a:solidFill>
-                <a:srgbClr val="002060"/>
-              </a:solidFill>
-              <a:latin typeface="Microsoft JhengHei" pitchFamily="34" charset="-120"/>
-              <a:ea typeface="Microsoft JhengHei" pitchFamily="34" charset="-120"/>
-            </a:endParaRPr>
+            <a:r>
+              <a:rPr lang="zh-TW" altLang="en-US" sz="4800" b="1" dirty="0">
+                <a:solidFill>
+                  <a:srgbClr val="000066"/>
+                </a:solidFill>
+                <a:latin typeface="Microsoft JhengHei" pitchFamily="34" charset="-120"/>
+                <a:ea typeface="Microsoft JhengHei" pitchFamily="34" charset="-120"/>
+              </a:rPr>
+              <a:t>現在我得以昂首，高過四面的仇敵。我要在他的帳幕裡歡然獻祭；我要唱詩歌頌耶和華。</a:t>
+            </a:r>
+            <a:r>
+              <a:rPr lang="en-US" altLang="zh-TW" sz="4800" b="1" dirty="0">
+                <a:solidFill>
+                  <a:srgbClr val="000066"/>
+                </a:solidFill>
+              </a:rPr>
+              <a:t> </a:t>
+            </a:r>
           </a:p>
         </p:txBody>
       </p:sp>
@@ -3576,42 +3579,57 @@
         <p:spPr>
           <a:xfrm>
             <a:off x="0" y="0"/>
-            <a:ext cx="9144000" cy="5143500"/>
+            <a:ext cx="8991600" cy="5143500"/>
           </a:xfrm>
         </p:spPr>
         <p:txBody>
-          <a:bodyPr>
+          <a:bodyPr anchor="ctr">
             <a:normAutofit/>
           </a:bodyPr>
           <a:lstStyle/>
           <a:p>
             <a:r>
-              <a:rPr lang="zh-TW" altLang="en-US" sz="4800" b="1" dirty="0">
-                <a:solidFill>
-                  <a:srgbClr val="002060"/>
+              <a:rPr lang="zh-TW" altLang="en-US" sz="4800" dirty="0">
+                <a:solidFill>
+                  <a:srgbClr val="000066"/>
                 </a:solidFill>
                 <a:latin typeface="Microsoft JhengHei" pitchFamily="34" charset="-120"/>
                 <a:ea typeface="Microsoft JhengHei" pitchFamily="34" charset="-120"/>
               </a:rPr>
-              <a:t>現在我得以昂首，高過四面的仇敵。我要在他的帳幕裡歡然獻祭；我要唱詩歌頌耶和華。</a:t>
-            </a:r>
-            <a:r>
-              <a:rPr lang="en-US" altLang="zh-TW" sz="4800" b="1" dirty="0">
-                <a:solidFill>
-                  <a:srgbClr val="002060"/>
+              <a:t>耶和華啊，我用聲音呼籲的時候，求你垂聽；並求你憐恤我，應允我。</a:t>
+            </a:r>
+            <a:r>
+              <a:rPr lang="en-US" altLang="zh-TW" sz="5400" dirty="0" smtClean="0">
+                <a:solidFill>
+                  <a:srgbClr val="000066"/>
                 </a:solidFill>
               </a:rPr>
               <a:t> </a:t>
             </a:r>
           </a:p>
+          <a:p>
+            <a:r>
+              <a:rPr lang="zh-TW" altLang="en-US" sz="4800" b="1" dirty="0">
+                <a:solidFill>
+                  <a:srgbClr val="000066"/>
+                </a:solidFill>
+                <a:latin typeface="Microsoft JhengHei" pitchFamily="34" charset="-120"/>
+                <a:ea typeface="Microsoft JhengHei" pitchFamily="34" charset="-120"/>
+              </a:rPr>
+              <a:t>你說：你們當尋求我的面。那時我心向你說：耶和華啊，你的面我正要尋求。</a:t>
+            </a:r>
+            <a:r>
+              <a:rPr lang="en-US" altLang="zh-TW" sz="5400" b="1" dirty="0" smtClean="0">
+                <a:solidFill>
+                  <a:srgbClr val="000066"/>
+                </a:solidFill>
+              </a:rPr>
+              <a:t> </a:t>
+            </a:r>
+          </a:p>
         </p:txBody>
       </p:sp>
     </p:spTree>
-    <p:extLst>
-      <p:ext uri="{BB962C8B-B14F-4D97-AF65-F5344CB8AC3E}">
-        <p14:creationId xmlns:p14="http://schemas.microsoft.com/office/powerpoint/2010/main" val="1756617505"/>
-      </p:ext>
-    </p:extLst>
   </p:cSld>
   <p:clrMapOvr>
     <a:masterClrMapping/>
@@ -3656,11 +3674,11 @@
         <p:spPr>
           <a:xfrm>
             <a:off x="0" y="0"/>
-            <a:ext cx="9144000" cy="5143500"/>
+            <a:ext cx="9067800" cy="5143500"/>
           </a:xfrm>
         </p:spPr>
         <p:txBody>
-          <a:bodyPr>
+          <a:bodyPr anchor="ctr">
             <a:normAutofit/>
           </a:bodyPr>
           <a:lstStyle/>
@@ -3668,102 +3686,7 @@
             <a:r>
               <a:rPr lang="zh-TW" altLang="en-US" sz="4800" dirty="0">
                 <a:solidFill>
-                  <a:srgbClr val="002060"/>
-                </a:solidFill>
-                <a:latin typeface="Microsoft JhengHei" pitchFamily="34" charset="-120"/>
-                <a:ea typeface="Microsoft JhengHei" pitchFamily="34" charset="-120"/>
-              </a:rPr>
-              <a:t>耶和華啊，我用聲音呼籲的時候，求你垂聽；並求你憐恤我，應允我。</a:t>
-            </a:r>
-            <a:r>
-              <a:rPr lang="en-US" altLang="zh-TW" sz="5400" dirty="0" smtClean="0">
-                <a:solidFill>
-                  <a:srgbClr val="002060"/>
-                </a:solidFill>
-              </a:rPr>
-              <a:t> </a:t>
-            </a:r>
-          </a:p>
-          <a:p>
-            <a:r>
-              <a:rPr lang="zh-TW" altLang="en-US" sz="4800" b="1" dirty="0">
-                <a:solidFill>
-                  <a:srgbClr val="002060"/>
-                </a:solidFill>
-                <a:latin typeface="Microsoft JhengHei" pitchFamily="34" charset="-120"/>
-                <a:ea typeface="Microsoft JhengHei" pitchFamily="34" charset="-120"/>
-              </a:rPr>
-              <a:t>你說：你們當尋求我的面。那時我心向你說：耶和華啊，你的面我正要尋求。</a:t>
-            </a:r>
-            <a:r>
-              <a:rPr lang="en-US" altLang="zh-TW" sz="5400" b="1" dirty="0" smtClean="0">
-                <a:solidFill>
-                  <a:srgbClr val="002060"/>
-                </a:solidFill>
-              </a:rPr>
-              <a:t> </a:t>
-            </a:r>
-          </a:p>
-        </p:txBody>
-      </p:sp>
-    </p:spTree>
-  </p:cSld>
-  <p:clrMapOvr>
-    <a:masterClrMapping/>
-  </p:clrMapOvr>
-  <p:timing>
-    <p:tnLst>
-      <p:par>
-        <p:cTn id="1" dur="indefinite" restart="never" nodeType="tmRoot"/>
-      </p:par>
-    </p:tnLst>
-  </p:timing>
-</p:sld>
-</file>
-
-<file path=ppt/slides/slide7.xml><?xml version="1.0" encoding="utf-8"?>
-<p:sld xmlns:a="http://schemas.openxmlformats.org/drawingml/2006/main" xmlns:r="http://schemas.openxmlformats.org/officeDocument/2006/relationships" xmlns:p="http://schemas.openxmlformats.org/presentationml/2006/main">
-  <p:cSld>
-    <p:spTree>
-      <p:nvGrpSpPr>
-        <p:cNvPr id="1" name=""/>
-        <p:cNvGrpSpPr/>
-        <p:nvPr/>
-      </p:nvGrpSpPr>
-      <p:grpSpPr>
-        <a:xfrm>
-          <a:off x="0" y="0"/>
-          <a:ext cx="0" cy="0"/>
-          <a:chOff x="0" y="0"/>
-          <a:chExt cx="0" cy="0"/>
-        </a:xfrm>
-      </p:grpSpPr>
-      <p:sp>
-        <p:nvSpPr>
-          <p:cNvPr id="3" name="Content Placeholder 2"/>
-          <p:cNvSpPr>
-            <a:spLocks noGrp="1"/>
-          </p:cNvSpPr>
-          <p:nvPr>
-            <p:ph idx="1"/>
-          </p:nvPr>
-        </p:nvSpPr>
-        <p:spPr>
-          <a:xfrm>
-            <a:off x="0" y="0"/>
-            <a:ext cx="9144000" cy="5143500"/>
-          </a:xfrm>
-        </p:spPr>
-        <p:txBody>
-          <a:bodyPr>
-            <a:normAutofit/>
-          </a:bodyPr>
-          <a:lstStyle/>
-          <a:p>
-            <a:r>
-              <a:rPr lang="zh-TW" altLang="en-US" sz="4800" dirty="0">
-                <a:solidFill>
-                  <a:srgbClr val="002060"/>
+                  <a:srgbClr val="000066"/>
                 </a:solidFill>
                 <a:latin typeface="Microsoft JhengHei" pitchFamily="34" charset="-120"/>
                 <a:ea typeface="Microsoft JhengHei" pitchFamily="34" charset="-120"/>
@@ -3773,7 +3696,7 @@
             <a:r>
               <a:rPr lang="en-US" altLang="zh-TW" sz="5400" dirty="0" smtClean="0">
                 <a:solidFill>
-                  <a:srgbClr val="002060"/>
+                  <a:srgbClr val="000066"/>
                 </a:solidFill>
               </a:rPr>
               <a:t> </a:t>
@@ -3783,7 +3706,7 @@
             <a:r>
               <a:rPr lang="zh-TW" altLang="en-US" sz="4800" b="1" dirty="0">
                 <a:solidFill>
-                  <a:srgbClr val="002060"/>
+                  <a:srgbClr val="000066"/>
                 </a:solidFill>
                 <a:latin typeface="Microsoft JhengHei" pitchFamily="34" charset="-120"/>
                 <a:ea typeface="Microsoft JhengHei" pitchFamily="34" charset="-120"/>
@@ -3793,7 +3716,7 @@
             <a:r>
               <a:rPr lang="en-US" altLang="zh-TW" sz="4800" b="1" dirty="0">
                 <a:solidFill>
-                  <a:srgbClr val="002060"/>
+                  <a:srgbClr val="000066"/>
                 </a:solidFill>
                 <a:latin typeface="Microsoft JhengHei" pitchFamily="34" charset="-120"/>
                 <a:ea typeface="Microsoft JhengHei" pitchFamily="34" charset="-120"/>

--- a/63主是力量.pptx
+++ b/63主是力量.pptx
@@ -8,9 +8,11 @@
     <p:sldId id="256" r:id="rId2"/>
     <p:sldId id="257" r:id="rId3"/>
     <p:sldId id="258" r:id="rId4"/>
-    <p:sldId id="259" r:id="rId5"/>
-    <p:sldId id="260" r:id="rId6"/>
-    <p:sldId id="261" r:id="rId7"/>
+    <p:sldId id="262" r:id="rId5"/>
+    <p:sldId id="259" r:id="rId6"/>
+    <p:sldId id="263" r:id="rId7"/>
+    <p:sldId id="260" r:id="rId8"/>
+    <p:sldId id="261" r:id="rId9"/>
   </p:sldIdLst>
   <p:sldSz cx="9144000" cy="5143500" type="screen16x9"/>
   <p:notesSz cx="6858000" cy="9144000"/>
@@ -310,7 +312,7 @@
             <a:fld id="{86B5546F-C09B-4E63-ABC5-F7C86A7E8D66}" type="datetimeFigureOut">
               <a:rPr lang="en-US" smtClean="0"/>
               <a:pPr/>
-              <a:t>7/8/2021</a:t>
+              <a:t>11/25/2021</a:t>
             </a:fld>
             <a:endParaRPr lang="en-US"/>
           </a:p>
@@ -477,7 +479,7 @@
             <a:fld id="{86B5546F-C09B-4E63-ABC5-F7C86A7E8D66}" type="datetimeFigureOut">
               <a:rPr lang="en-US" smtClean="0"/>
               <a:pPr/>
-              <a:t>7/8/2021</a:t>
+              <a:t>11/25/2021</a:t>
             </a:fld>
             <a:endParaRPr lang="en-US"/>
           </a:p>
@@ -654,7 +656,7 @@
             <a:fld id="{86B5546F-C09B-4E63-ABC5-F7C86A7E8D66}" type="datetimeFigureOut">
               <a:rPr lang="en-US" smtClean="0"/>
               <a:pPr/>
-              <a:t>7/8/2021</a:t>
+              <a:t>11/25/2021</a:t>
             </a:fld>
             <a:endParaRPr lang="en-US"/>
           </a:p>
@@ -821,7 +823,7 @@
             <a:fld id="{86B5546F-C09B-4E63-ABC5-F7C86A7E8D66}" type="datetimeFigureOut">
               <a:rPr lang="en-US" smtClean="0"/>
               <a:pPr/>
-              <a:t>7/8/2021</a:t>
+              <a:t>11/25/2021</a:t>
             </a:fld>
             <a:endParaRPr lang="en-US"/>
           </a:p>
@@ -1064,7 +1066,7 @@
             <a:fld id="{86B5546F-C09B-4E63-ABC5-F7C86A7E8D66}" type="datetimeFigureOut">
               <a:rPr lang="en-US" smtClean="0"/>
               <a:pPr/>
-              <a:t>7/8/2021</a:t>
+              <a:t>11/25/2021</a:t>
             </a:fld>
             <a:endParaRPr lang="en-US"/>
           </a:p>
@@ -1349,7 +1351,7 @@
             <a:fld id="{86B5546F-C09B-4E63-ABC5-F7C86A7E8D66}" type="datetimeFigureOut">
               <a:rPr lang="en-US" smtClean="0"/>
               <a:pPr/>
-              <a:t>7/8/2021</a:t>
+              <a:t>11/25/2021</a:t>
             </a:fld>
             <a:endParaRPr lang="en-US"/>
           </a:p>
@@ -1768,7 +1770,7 @@
             <a:fld id="{86B5546F-C09B-4E63-ABC5-F7C86A7E8D66}" type="datetimeFigureOut">
               <a:rPr lang="en-US" smtClean="0"/>
               <a:pPr/>
-              <a:t>7/8/2021</a:t>
+              <a:t>11/25/2021</a:t>
             </a:fld>
             <a:endParaRPr lang="en-US"/>
           </a:p>
@@ -1883,7 +1885,7 @@
             <a:fld id="{86B5546F-C09B-4E63-ABC5-F7C86A7E8D66}" type="datetimeFigureOut">
               <a:rPr lang="en-US" smtClean="0"/>
               <a:pPr/>
-              <a:t>7/8/2021</a:t>
+              <a:t>11/25/2021</a:t>
             </a:fld>
             <a:endParaRPr lang="en-US"/>
           </a:p>
@@ -1975,7 +1977,7 @@
             <a:fld id="{86B5546F-C09B-4E63-ABC5-F7C86A7E8D66}" type="datetimeFigureOut">
               <a:rPr lang="en-US" smtClean="0"/>
               <a:pPr/>
-              <a:t>7/8/2021</a:t>
+              <a:t>11/25/2021</a:t>
             </a:fld>
             <a:endParaRPr lang="en-US"/>
           </a:p>
@@ -2249,7 +2251,7 @@
             <a:fld id="{86B5546F-C09B-4E63-ABC5-F7C86A7E8D66}" type="datetimeFigureOut">
               <a:rPr lang="en-US" smtClean="0"/>
               <a:pPr/>
-              <a:t>7/8/2021</a:t>
+              <a:t>11/25/2021</a:t>
             </a:fld>
             <a:endParaRPr lang="en-US"/>
           </a:p>
@@ -2503,7 +2505,7 @@
             <a:fld id="{86B5546F-C09B-4E63-ABC5-F7C86A7E8D66}" type="datetimeFigureOut">
               <a:rPr lang="en-US" smtClean="0"/>
               <a:pPr/>
-              <a:t>7/8/2021</a:t>
+              <a:t>11/25/2021</a:t>
             </a:fld>
             <a:endParaRPr lang="en-US"/>
           </a:p>
@@ -2718,7 +2720,7 @@
             <a:fld id="{86B5546F-C09B-4E63-ABC5-F7C86A7E8D66}" type="datetimeFigureOut">
               <a:rPr lang="en-US" smtClean="0"/>
               <a:pPr/>
-              <a:t>7/8/2021</a:t>
+              <a:t>11/25/2021</a:t>
             </a:fld>
             <a:endParaRPr lang="en-US"/>
           </a:p>
@@ -3188,17 +3190,17 @@
               <a:t>：</a:t>
             </a:r>
             <a:r>
-              <a:rPr lang="en-US" altLang="zh-CN" b="1" dirty="0">
+              <a:rPr lang="en-US" altLang="zh-CN" b="1" dirty="0" smtClean="0">
                 <a:solidFill>
                   <a:srgbClr val="000066"/>
                 </a:solidFill>
                 <a:latin typeface="微軟正黑體" pitchFamily="34" charset="-120"/>
                 <a:ea typeface="微軟正黑體" pitchFamily="34" charset="-120"/>
               </a:rPr>
-              <a:t>1-8</a:t>
-            </a:r>
-            <a:r>
-              <a:rPr lang="zh-CN" altLang="en-US" b="1" dirty="0">
+              <a:t>1 – 8</a:t>
+            </a:r>
+            <a:r>
+              <a:rPr lang="zh-CN" altLang="en-US" b="1" dirty="0" smtClean="0">
                 <a:solidFill>
                   <a:srgbClr val="000066"/>
                 </a:solidFill>
@@ -3208,14 +3210,14 @@
               <a:t>，</a:t>
             </a:r>
             <a:r>
-              <a:rPr lang="en-US" altLang="zh-CN" b="1" dirty="0">
+              <a:rPr lang="en-US" altLang="zh-CN" b="1" dirty="0" smtClean="0">
                 <a:solidFill>
                   <a:srgbClr val="000066"/>
                 </a:solidFill>
                 <a:latin typeface="微軟正黑體" pitchFamily="34" charset="-120"/>
                 <a:ea typeface="微軟正黑體" pitchFamily="34" charset="-120"/>
               </a:rPr>
-              <a:t>13-14</a:t>
+              <a:t>13 – 14</a:t>
             </a:r>
             <a:endParaRPr lang="en-US" b="1" dirty="0">
               <a:solidFill>
@@ -3376,51 +3378,31 @@
         </p:spPr>
         <p:txBody>
           <a:bodyPr anchor="ctr">
-            <a:normAutofit fontScale="92500" lnSpcReduction="10000"/>
+            <a:normAutofit/>
           </a:bodyPr>
           <a:lstStyle/>
           <a:p>
             <a:r>
-              <a:rPr lang="zh-TW" altLang="en-US" sz="5200" dirty="0">
+              <a:rPr lang="zh-TW" altLang="en-US" sz="4800" dirty="0">
                 <a:solidFill>
                   <a:srgbClr val="000066"/>
                 </a:solidFill>
                 <a:latin typeface="Microsoft JhengHei" pitchFamily="34" charset="-120"/>
                 <a:ea typeface="Microsoft JhengHei" pitchFamily="34" charset="-120"/>
               </a:rPr>
-              <a:t>雖有軍兵安營攻擊我，我的心也不害怕；雖然興起刀兵攻擊我，我必仍舊安穩。</a:t>
-            </a:r>
-            <a:r>
-              <a:rPr lang="en-US" altLang="zh-TW" sz="5400" dirty="0" smtClean="0">
-                <a:solidFill>
-                  <a:srgbClr val="000066"/>
-                </a:solidFill>
-              </a:rPr>
-              <a:t> </a:t>
-            </a:r>
-          </a:p>
-          <a:p>
-            <a:r>
-              <a:rPr lang="zh-TW" altLang="en-US" sz="5200" b="1" dirty="0" smtClean="0">
+              <a:t>雖有軍兵安營攻擊我，我的心也不害怕；雖然興起刀兵攻擊我，我必仍舊安穩</a:t>
+            </a:r>
+            <a:r>
+              <a:rPr lang="zh-TW" altLang="en-US" sz="4800" dirty="0" smtClean="0">
                 <a:solidFill>
                   <a:srgbClr val="000066"/>
                 </a:solidFill>
                 <a:latin typeface="Microsoft JhengHei" pitchFamily="34" charset="-120"/>
                 <a:ea typeface="Microsoft JhengHei" pitchFamily="34" charset="-120"/>
               </a:rPr>
-              <a:t>有一件事，我曾求耶和華，我仍要尋求：就是一生一世住在耶和華的殿中，瞻仰他的榮美，在他的殿裡求問。</a:t>
-            </a:r>
-            <a:r>
-              <a:rPr lang="en-US" altLang="zh-TW" sz="5200" b="1" dirty="0" smtClean="0">
-                <a:solidFill>
-                  <a:srgbClr val="000066"/>
-                </a:solidFill>
-                <a:latin typeface="Microsoft JhengHei" pitchFamily="34" charset="-120"/>
-                <a:ea typeface="Microsoft JhengHei" pitchFamily="34" charset="-120"/>
-              </a:rPr>
-              <a:t> </a:t>
-            </a:r>
-            <a:endParaRPr lang="en-US" altLang="zh-TW" sz="5200" b="1" dirty="0">
+              <a:t>。</a:t>
+            </a:r>
+            <a:endParaRPr lang="en-US" altLang="zh-TW" sz="4800" b="1" dirty="0">
               <a:solidFill>
                 <a:srgbClr val="000066"/>
               </a:solidFill>
@@ -3475,27 +3457,37 @@
         <p:spPr>
           <a:xfrm>
             <a:off x="0" y="0"/>
-            <a:ext cx="8991600" cy="5143500"/>
+            <a:ext cx="9144000" cy="5143500"/>
           </a:xfrm>
         </p:spPr>
         <p:txBody>
           <a:bodyPr anchor="ctr">
-            <a:normAutofit lnSpcReduction="10000"/>
+            <a:normAutofit/>
           </a:bodyPr>
           <a:lstStyle/>
           <a:p>
             <a:r>
-              <a:rPr lang="zh-TW" altLang="en-US" sz="4800" dirty="0">
+              <a:rPr lang="zh-TW" altLang="en-US" sz="4800" b="1" dirty="0" smtClean="0">
                 <a:solidFill>
                   <a:srgbClr val="000066"/>
                 </a:solidFill>
                 <a:latin typeface="Microsoft JhengHei" pitchFamily="34" charset="-120"/>
                 <a:ea typeface="Microsoft JhengHei" pitchFamily="34" charset="-120"/>
               </a:rPr>
-              <a:t>因為我遭遇患難，他必暗暗的保守我；在他亭子裡，把我藏在他帳幕的隱密處，將我高舉在磐石上。</a:t>
-            </a:r>
-            <a:r>
-              <a:rPr lang="en-US" altLang="zh-TW" sz="4800" dirty="0">
+              <a:t>有</a:t>
+            </a:r>
+            <a:r>
+              <a:rPr lang="zh-TW" altLang="en-US" sz="4800" b="1" dirty="0" smtClean="0">
+                <a:solidFill>
+                  <a:srgbClr val="000066"/>
+                </a:solidFill>
+                <a:latin typeface="Microsoft JhengHei" pitchFamily="34" charset="-120"/>
+                <a:ea typeface="Microsoft JhengHei" pitchFamily="34" charset="-120"/>
+              </a:rPr>
+              <a:t>一件事，我曾求耶和華，我仍要尋求：就是一生一世住在耶和華的殿中，瞻仰他的榮美，在他的殿裡求問。</a:t>
+            </a:r>
+            <a:r>
+              <a:rPr lang="en-US" altLang="zh-TW" sz="4800" b="1" dirty="0" smtClean="0">
                 <a:solidFill>
                   <a:srgbClr val="000066"/>
                 </a:solidFill>
@@ -3504,7 +3496,7 @@
               </a:rPr>
               <a:t> </a:t>
             </a:r>
-            <a:endParaRPr lang="en-US" altLang="zh-TW" sz="4800" dirty="0" smtClean="0">
+            <a:endParaRPr lang="en-US" altLang="zh-TW" sz="4800" b="1" dirty="0">
               <a:solidFill>
                 <a:srgbClr val="000066"/>
               </a:solidFill>
@@ -3512,29 +3504,14 @@
               <a:ea typeface="Microsoft JhengHei" pitchFamily="34" charset="-120"/>
             </a:endParaRPr>
           </a:p>
-          <a:p>
-            <a:r>
-              <a:rPr lang="zh-TW" altLang="en-US" sz="4800" b="1" dirty="0">
-                <a:solidFill>
-                  <a:srgbClr val="000066"/>
-                </a:solidFill>
-                <a:latin typeface="Microsoft JhengHei" pitchFamily="34" charset="-120"/>
-                <a:ea typeface="Microsoft JhengHei" pitchFamily="34" charset="-120"/>
-              </a:rPr>
-              <a:t>現在我得以昂首，高過四面的仇敵。我要在他的帳幕裡歡然獻祭；我要唱詩歌頌耶和華。</a:t>
-            </a:r>
-            <a:r>
-              <a:rPr lang="en-US" altLang="zh-TW" sz="4800" b="1" dirty="0">
-                <a:solidFill>
-                  <a:srgbClr val="000066"/>
-                </a:solidFill>
-              </a:rPr>
-              <a:t> </a:t>
-            </a:r>
-          </a:p>
         </p:txBody>
       </p:sp>
     </p:spTree>
+    <p:extLst>
+      <p:ext uri="{BB962C8B-B14F-4D97-AF65-F5344CB8AC3E}">
+        <p14:creationId xmlns:p14="http://schemas.microsoft.com/office/powerpoint/2010/main" val="2981052515"/>
+      </p:ext>
+    </p:extLst>
   </p:cSld>
   <p:clrMapOvr>
     <a:masterClrMapping/>
@@ -3596,36 +3573,23 @@
                 <a:latin typeface="Microsoft JhengHei" pitchFamily="34" charset="-120"/>
                 <a:ea typeface="Microsoft JhengHei" pitchFamily="34" charset="-120"/>
               </a:rPr>
-              <a:t>耶和華啊，我用聲音呼籲的時候，求你垂聽；並求你憐恤我，應允我。</a:t>
-            </a:r>
-            <a:r>
-              <a:rPr lang="en-US" altLang="zh-TW" sz="5400" dirty="0" smtClean="0">
-                <a:solidFill>
-                  <a:srgbClr val="000066"/>
-                </a:solidFill>
-              </a:rPr>
-              <a:t> </a:t>
-            </a:r>
-          </a:p>
-          <a:p>
-            <a:r>
-              <a:rPr lang="zh-TW" altLang="en-US" sz="4800" b="1" dirty="0">
+              <a:t>因為我遭遇患難，他必暗暗的保守我；在他亭子裡，把我藏在他帳幕的隱密處，將我高舉在磐石上</a:t>
+            </a:r>
+            <a:r>
+              <a:rPr lang="zh-TW" altLang="en-US" sz="4800" dirty="0" smtClean="0">
                 <a:solidFill>
                   <a:srgbClr val="000066"/>
                 </a:solidFill>
                 <a:latin typeface="Microsoft JhengHei" pitchFamily="34" charset="-120"/>
                 <a:ea typeface="Microsoft JhengHei" pitchFamily="34" charset="-120"/>
               </a:rPr>
-              <a:t>你說：你們當尋求我的面。那時我心向你說：耶和華啊，你的面我正要尋求。</a:t>
-            </a:r>
-            <a:r>
-              <a:rPr lang="en-US" altLang="zh-TW" sz="5400" b="1" dirty="0" smtClean="0">
-                <a:solidFill>
-                  <a:srgbClr val="000066"/>
-                </a:solidFill>
-              </a:rPr>
-              <a:t> </a:t>
-            </a:r>
+              <a:t>。</a:t>
+            </a:r>
+            <a:endParaRPr lang="en-US" altLang="zh-TW" sz="4800" b="1" dirty="0">
+              <a:solidFill>
+                <a:srgbClr val="000066"/>
+              </a:solidFill>
+            </a:endParaRPr>
           </a:p>
         </p:txBody>
       </p:sp>
@@ -3645,6 +3609,191 @@
 </file>
 
 <file path=ppt/slides/slide6.xml><?xml version="1.0" encoding="utf-8"?>
+<p:sld xmlns:a="http://schemas.openxmlformats.org/drawingml/2006/main" xmlns:r="http://schemas.openxmlformats.org/officeDocument/2006/relationships" xmlns:p="http://schemas.openxmlformats.org/presentationml/2006/main">
+  <p:cSld>
+    <p:spTree>
+      <p:nvGrpSpPr>
+        <p:cNvPr id="1" name=""/>
+        <p:cNvGrpSpPr/>
+        <p:nvPr/>
+      </p:nvGrpSpPr>
+      <p:grpSpPr>
+        <a:xfrm>
+          <a:off x="0" y="0"/>
+          <a:ext cx="0" cy="0"/>
+          <a:chOff x="0" y="0"/>
+          <a:chExt cx="0" cy="0"/>
+        </a:xfrm>
+      </p:grpSpPr>
+      <p:sp>
+        <p:nvSpPr>
+          <p:cNvPr id="3" name="Content Placeholder 2"/>
+          <p:cNvSpPr>
+            <a:spLocks noGrp="1"/>
+          </p:cNvSpPr>
+          <p:nvPr>
+            <p:ph idx="1"/>
+          </p:nvPr>
+        </p:nvSpPr>
+        <p:spPr>
+          <a:xfrm>
+            <a:off x="0" y="0"/>
+            <a:ext cx="8991600" cy="5143500"/>
+          </a:xfrm>
+        </p:spPr>
+        <p:txBody>
+          <a:bodyPr anchor="ctr">
+            <a:normAutofit/>
+          </a:bodyPr>
+          <a:lstStyle/>
+          <a:p>
+            <a:r>
+              <a:rPr lang="zh-TW" altLang="en-US" sz="4800" b="1" dirty="0" smtClean="0">
+                <a:solidFill>
+                  <a:srgbClr val="000066"/>
+                </a:solidFill>
+                <a:latin typeface="Microsoft JhengHei" pitchFamily="34" charset="-120"/>
+                <a:ea typeface="Microsoft JhengHei" pitchFamily="34" charset="-120"/>
+              </a:rPr>
+              <a:t>現</a:t>
+            </a:r>
+            <a:r>
+              <a:rPr lang="zh-TW" altLang="en-US" sz="4800" b="1" dirty="0">
+                <a:solidFill>
+                  <a:srgbClr val="000066"/>
+                </a:solidFill>
+                <a:latin typeface="Microsoft JhengHei" pitchFamily="34" charset="-120"/>
+                <a:ea typeface="Microsoft JhengHei" pitchFamily="34" charset="-120"/>
+              </a:rPr>
+              <a:t>在我得以昂首，高過四面的仇敵。我要在他的帳幕裡歡然獻祭；我要唱詩歌頌耶和華。</a:t>
+            </a:r>
+            <a:r>
+              <a:rPr lang="en-US" altLang="zh-TW" sz="4800" b="1" dirty="0">
+                <a:solidFill>
+                  <a:srgbClr val="000066"/>
+                </a:solidFill>
+              </a:rPr>
+              <a:t> </a:t>
+            </a:r>
+          </a:p>
+        </p:txBody>
+      </p:sp>
+    </p:spTree>
+    <p:extLst>
+      <p:ext uri="{BB962C8B-B14F-4D97-AF65-F5344CB8AC3E}">
+        <p14:creationId xmlns:p14="http://schemas.microsoft.com/office/powerpoint/2010/main" val="3756346768"/>
+      </p:ext>
+    </p:extLst>
+  </p:cSld>
+  <p:clrMapOvr>
+    <a:masterClrMapping/>
+  </p:clrMapOvr>
+  <p:timing>
+    <p:tnLst>
+      <p:par>
+        <p:cTn id="1" dur="indefinite" restart="never" nodeType="tmRoot"/>
+      </p:par>
+    </p:tnLst>
+  </p:timing>
+</p:sld>
+</file>
+
+<file path=ppt/slides/slide7.xml><?xml version="1.0" encoding="utf-8"?>
+<p:sld xmlns:a="http://schemas.openxmlformats.org/drawingml/2006/main" xmlns:r="http://schemas.openxmlformats.org/officeDocument/2006/relationships" xmlns:p="http://schemas.openxmlformats.org/presentationml/2006/main">
+  <p:cSld>
+    <p:spTree>
+      <p:nvGrpSpPr>
+        <p:cNvPr id="1" name=""/>
+        <p:cNvGrpSpPr/>
+        <p:nvPr/>
+      </p:nvGrpSpPr>
+      <p:grpSpPr>
+        <a:xfrm>
+          <a:off x="0" y="0"/>
+          <a:ext cx="0" cy="0"/>
+          <a:chOff x="0" y="0"/>
+          <a:chExt cx="0" cy="0"/>
+        </a:xfrm>
+      </p:grpSpPr>
+      <p:sp>
+        <p:nvSpPr>
+          <p:cNvPr id="3" name="Content Placeholder 2"/>
+          <p:cNvSpPr>
+            <a:spLocks noGrp="1"/>
+          </p:cNvSpPr>
+          <p:nvPr>
+            <p:ph idx="1"/>
+          </p:nvPr>
+        </p:nvSpPr>
+        <p:spPr>
+          <a:xfrm>
+            <a:off x="0" y="0"/>
+            <a:ext cx="8991600" cy="5143500"/>
+          </a:xfrm>
+        </p:spPr>
+        <p:txBody>
+          <a:bodyPr anchor="ctr">
+            <a:normAutofit/>
+          </a:bodyPr>
+          <a:lstStyle/>
+          <a:p>
+            <a:r>
+              <a:rPr lang="zh-TW" altLang="en-US" sz="4800" dirty="0">
+                <a:solidFill>
+                  <a:srgbClr val="000066"/>
+                </a:solidFill>
+                <a:latin typeface="Microsoft JhengHei" pitchFamily="34" charset="-120"/>
+                <a:ea typeface="Microsoft JhengHei" pitchFamily="34" charset="-120"/>
+              </a:rPr>
+              <a:t>耶和華啊，我用聲音呼籲的時候，求你垂聽；並求你憐恤我，應允我。</a:t>
+            </a:r>
+            <a:r>
+              <a:rPr lang="en-US" altLang="zh-TW" sz="5400" dirty="0" smtClean="0">
+                <a:solidFill>
+                  <a:srgbClr val="000066"/>
+                </a:solidFill>
+              </a:rPr>
+              <a:t> </a:t>
+            </a:r>
+          </a:p>
+          <a:p>
+            <a:r>
+              <a:rPr lang="zh-TW" altLang="en-US" sz="4800" b="1" dirty="0">
+                <a:solidFill>
+                  <a:srgbClr val="000066"/>
+                </a:solidFill>
+                <a:latin typeface="Microsoft JhengHei" pitchFamily="34" charset="-120"/>
+                <a:ea typeface="Microsoft JhengHei" pitchFamily="34" charset="-120"/>
+              </a:rPr>
+              <a:t>你說：你們當尋求我的面。那時我心向你說：耶和華啊，你的面我正要尋求。</a:t>
+            </a:r>
+            <a:r>
+              <a:rPr lang="en-US" altLang="zh-TW" sz="5400" b="1" dirty="0" smtClean="0">
+                <a:solidFill>
+                  <a:srgbClr val="000066"/>
+                </a:solidFill>
+              </a:rPr>
+              <a:t> </a:t>
+            </a:r>
+          </a:p>
+        </p:txBody>
+      </p:sp>
+    </p:spTree>
+  </p:cSld>
+  <p:clrMapOvr>
+    <a:masterClrMapping/>
+  </p:clrMapOvr>
+  <p:timing>
+    <p:tnLst>
+      <p:par>
+        <p:cTn id="1" dur="indefinite" restart="never" nodeType="tmRoot"/>
+      </p:par>
+    </p:tnLst>
+  </p:timing>
+</p:sld>
+</file>
+
+<file path=ppt/slides/slide8.xml><?xml version="1.0" encoding="utf-8"?>
 <p:sld xmlns:a="http://schemas.openxmlformats.org/drawingml/2006/main" xmlns:r="http://schemas.openxmlformats.org/officeDocument/2006/relationships" xmlns:p="http://schemas.openxmlformats.org/presentationml/2006/main">
   <p:cSld>
     <p:spTree>
